--- a/小组作业/PPT/UML基础_图.pptx
+++ b/小组作业/PPT/UML基础_图.pptx
@@ -266,7 +266,7 @@
           <a:p>
             <a:fld id="{7FD0B5FB-0895-40D7-A20D-E8CE22239C92}" type="datetimeFigureOut">
               <a:rPr lang="zh-CN" altLang="en-US" smtClean="0"/>
-              <a:t>2017/11/15 Wednesday</a:t>
+              <a:t>2017/11/18 Saturday</a:t>
             </a:fld>
             <a:endParaRPr lang="zh-CN" altLang="en-US"/>
           </a:p>
@@ -3194,7 +3194,7 @@
           <a:p>
             <a:fld id="{36254065-6D17-4A3A-91E4-21B75217D363}" type="datetimeFigureOut">
               <a:rPr lang="zh-CN" altLang="en-US" smtClean="0"/>
-              <a:t>2017/11/15 Wednesday</a:t>
+              <a:t>2017/11/18 Saturday</a:t>
             </a:fld>
             <a:endParaRPr lang="zh-CN" altLang="en-US"/>
           </a:p>
@@ -3421,7 +3421,7 @@
           <a:p>
             <a:fld id="{36254065-6D17-4A3A-91E4-21B75217D363}" type="datetimeFigureOut">
               <a:rPr lang="zh-CN" altLang="en-US" smtClean="0"/>
-              <a:t>2017/11/15 Wednesday</a:t>
+              <a:t>2017/11/18 Saturday</a:t>
             </a:fld>
             <a:endParaRPr lang="zh-CN" altLang="en-US"/>
           </a:p>
@@ -3641,7 +3641,7 @@
           <a:p>
             <a:fld id="{36254065-6D17-4A3A-91E4-21B75217D363}" type="datetimeFigureOut">
               <a:rPr lang="zh-CN" altLang="en-US" smtClean="0"/>
-              <a:t>2017/11/15 Wednesday</a:t>
+              <a:t>2017/11/18 Saturday</a:t>
             </a:fld>
             <a:endParaRPr lang="zh-CN" altLang="en-US"/>
           </a:p>
@@ -3861,7 +3861,7 @@
           <a:p>
             <a:fld id="{36254065-6D17-4A3A-91E4-21B75217D363}" type="datetimeFigureOut">
               <a:rPr lang="zh-CN" altLang="en-US" smtClean="0"/>
-              <a:t>2017/11/15 Wednesday</a:t>
+              <a:t>2017/11/18 Saturday</a:t>
             </a:fld>
             <a:endParaRPr lang="zh-CN" altLang="en-US"/>
           </a:p>
@@ -4155,7 +4155,7 @@
           <a:p>
             <a:fld id="{36254065-6D17-4A3A-91E4-21B75217D363}" type="datetimeFigureOut">
               <a:rPr lang="zh-CN" altLang="en-US" smtClean="0"/>
-              <a:t>2017/11/15 Wednesday</a:t>
+              <a:t>2017/11/18 Saturday</a:t>
             </a:fld>
             <a:endParaRPr lang="zh-CN" altLang="en-US"/>
           </a:p>
@@ -4497,7 +4497,7 @@
           <a:p>
             <a:fld id="{36254065-6D17-4A3A-91E4-21B75217D363}" type="datetimeFigureOut">
               <a:rPr lang="zh-CN" altLang="en-US" smtClean="0"/>
-              <a:t>2017/11/15 Wednesday</a:t>
+              <a:t>2017/11/18 Saturday</a:t>
             </a:fld>
             <a:endParaRPr lang="zh-CN" altLang="en-US"/>
           </a:p>
@@ -4979,7 +4979,7 @@
           <a:p>
             <a:fld id="{36254065-6D17-4A3A-91E4-21B75217D363}" type="datetimeFigureOut">
               <a:rPr lang="zh-CN" altLang="en-US" smtClean="0"/>
-              <a:t>2017/11/15 Wednesday</a:t>
+              <a:t>2017/11/18 Saturday</a:t>
             </a:fld>
             <a:endParaRPr lang="zh-CN" altLang="en-US"/>
           </a:p>
@@ -5147,7 +5147,7 @@
           <a:p>
             <a:fld id="{36254065-6D17-4A3A-91E4-21B75217D363}" type="datetimeFigureOut">
               <a:rPr lang="zh-CN" altLang="en-US" smtClean="0"/>
-              <a:t>2017/11/15 Wednesday</a:t>
+              <a:t>2017/11/18 Saturday</a:t>
             </a:fld>
             <a:endParaRPr lang="zh-CN" altLang="en-US"/>
           </a:p>
@@ -5278,7 +5278,7 @@
           <a:p>
             <a:fld id="{36254065-6D17-4A3A-91E4-21B75217D363}" type="datetimeFigureOut">
               <a:rPr lang="zh-CN" altLang="en-US" smtClean="0"/>
-              <a:t>2017/11/15 Wednesday</a:t>
+              <a:t>2017/11/18 Saturday</a:t>
             </a:fld>
             <a:endParaRPr lang="zh-CN" altLang="en-US"/>
           </a:p>
@@ -5598,7 +5598,7 @@
           <a:p>
             <a:fld id="{36254065-6D17-4A3A-91E4-21B75217D363}" type="datetimeFigureOut">
               <a:rPr lang="zh-CN" altLang="en-US" smtClean="0"/>
-              <a:t>2017/11/15 Wednesday</a:t>
+              <a:t>2017/11/18 Saturday</a:t>
             </a:fld>
             <a:endParaRPr lang="zh-CN" altLang="en-US"/>
           </a:p>
@@ -5895,7 +5895,7 @@
           <a:p>
             <a:fld id="{36254065-6D17-4A3A-91E4-21B75217D363}" type="datetimeFigureOut">
               <a:rPr lang="zh-CN" altLang="en-US" smtClean="0"/>
-              <a:t>2017/11/15 Wednesday</a:t>
+              <a:t>2017/11/18 Saturday</a:t>
             </a:fld>
             <a:endParaRPr lang="zh-CN" altLang="en-US"/>
           </a:p>
@@ -6685,8 +6685,8 @@
         </p:nvSpPr>
         <p:spPr>
           <a:xfrm>
-            <a:off x="852569" y="1892830"/>
-            <a:ext cx="10588796" cy="1446550"/>
+            <a:off x="520684" y="1892830"/>
+            <a:ext cx="11252568" cy="1446550"/>
           </a:xfrm>
           <a:prstGeom prst="rect">
             <a:avLst/>
@@ -6738,7 +6738,67 @@
                 <a:latin typeface="方正正大黑简体" panose="02000000000000000000" pitchFamily="2" charset="-122"/>
                 <a:ea typeface="方正正大黑简体" panose="02000000000000000000" pitchFamily="2" charset="-122"/>
               </a:rPr>
-              <a:t>基础：图的简介</a:t>
+              <a:t>基础 </a:t>
+            </a:r>
+            <a:r>
+              <a:rPr lang="en-US" altLang="zh-CN" sz="8800" spc="213" dirty="0" smtClean="0">
+                <a:blipFill dpi="0" rotWithShape="1">
+                  <a:blip r:embed="rId7">
+                    <a:extLst>
+                      <a:ext uri="{28A0092B-C50C-407E-A947-70E740481C1C}">
+                        <a14:useLocalDpi xmlns:a14="http://schemas.microsoft.com/office/drawing/2010/main" val="0"/>
+                      </a:ext>
+                    </a:extLst>
+                  </a:blip>
+                  <a:srcRect/>
+                  <a:stretch>
+                    <a:fillRect/>
+                  </a:stretch>
+                </a:blipFill>
+                <a:latin typeface="方正正大黑简体" panose="02000000000000000000" pitchFamily="2" charset="-122"/>
+                <a:ea typeface="方正正大黑简体" panose="02000000000000000000" pitchFamily="2" charset="-122"/>
+              </a:rPr>
+              <a:t>I</a:t>
+            </a:r>
+            <a:r>
+              <a:rPr lang="zh-CN" altLang="en-US" sz="8800" spc="213" dirty="0" smtClean="0">
+                <a:blipFill dpi="0" rotWithShape="1">
+                  <a:blip r:embed="rId7">
+                    <a:extLst>
+                      <a:ext uri="{28A0092B-C50C-407E-A947-70E740481C1C}">
+                        <a14:useLocalDpi xmlns:a14="http://schemas.microsoft.com/office/drawing/2010/main" val="0"/>
+                      </a:ext>
+                    </a:extLst>
+                  </a:blip>
+                  <a:srcRect/>
+                  <a:stretch>
+                    <a:fillRect/>
+                  </a:stretch>
+                </a:blipFill>
+                <a:latin typeface="方正正大黑简体" panose="02000000000000000000" pitchFamily="2" charset="-122"/>
+                <a:ea typeface="方正正大黑简体" panose="02000000000000000000" pitchFamily="2" charset="-122"/>
+              </a:rPr>
+              <a:t>：</a:t>
+            </a:r>
+            <a:r>
+              <a:rPr lang="zh-CN" altLang="en-US" sz="8800" spc="213" dirty="0" smtClean="0">
+                <a:blipFill dpi="0" rotWithShape="1">
+                  <a:blip r:embed="rId7">
+                    <a:extLst>
+                      <a:ext uri="{28A0092B-C50C-407E-A947-70E740481C1C}">
+                        <a14:useLocalDpi xmlns:a14="http://schemas.microsoft.com/office/drawing/2010/main" val="0"/>
+                      </a:ext>
+                    </a:extLst>
+                  </a:blip>
+                  <a:srcRect/>
+                  <a:stretch>
+                    <a:fillRect/>
+                  </a:stretch>
+                </a:blipFill>
+                <a:latin typeface="方正正大黑简体" panose="02000000000000000000" pitchFamily="2" charset="-122"/>
+                <a:ea typeface="方正正大黑简体" panose="02000000000000000000" pitchFamily="2" charset="-122"/>
+              </a:rPr>
+              <a:t>图的简介</a:t>
             </a:r>
             <a:endParaRPr lang="zh-CN" altLang="en-US" sz="9600" spc="213" dirty="0">
               <a:blipFill dpi="0" rotWithShape="1">
@@ -6855,8 +6915,8 @@
       </p:transition>
     </mc:Fallback>
   </mc:AlternateContent>
-  <mc:AlternateContent xmlns:mc="http://schemas.openxmlformats.org/markup-compatibility/2006" xmlns:p14="http://schemas.microsoft.com/office/powerpoint/2010/main">
-    <mc:Choice Requires="p14">
+  <mc:AlternateContent xmlns:mc="http://schemas.openxmlformats.org/markup-compatibility/2006">
+    <mc:Choice xmlns:p14="http://schemas.microsoft.com/office/powerpoint/2010/main" Requires="p14">
       <p:timing>
         <p:tnLst>
           <p:par>
@@ -7008,7 +7068,7 @@
                             <p:par>
                               <p:cTn id="11" fill="hold">
                                 <p:stCondLst>
-                                  <p:cond delay="1175"/>
+                                  <p:cond delay="1250"/>
                                 </p:stCondLst>
                                 <p:childTnLst>
                                   <p:par>
@@ -7136,7 +7196,7 @@
         </p:bldLst>
       </p:timing>
     </mc:Choice>
-    <mc:Fallback xmlns="">
+    <mc:Fallback>
       <p:timing>
         <p:tnLst>
           <p:par>
@@ -7288,7 +7348,7 @@
                             <p:par>
                               <p:cTn id="11" fill="hold">
                                 <p:stCondLst>
-                                  <p:cond delay="1175"/>
+                                  <p:cond delay="1250"/>
                                 </p:stCondLst>
                                 <p:childTnLst>
                                   <p:par>
@@ -32263,17 +32323,7 @@
                 <a:latin typeface="华文新魏" panose="02010800040101010101" pitchFamily="2" charset="-122"/>
                 <a:ea typeface="华文新魏" panose="02010800040101010101" pitchFamily="2" charset="-122"/>
               </a:rPr>
-              <a:t>任</a:t>
-            </a:r>
-            <a:r>
-              <a:rPr lang="zh-CN" altLang="en-US" sz="3600" dirty="0" smtClean="0">
-                <a:solidFill>
-                  <a:schemeClr val="bg1"/>
-                </a:solidFill>
-                <a:latin typeface="华文新魏" panose="02010800040101010101" pitchFamily="2" charset="-122"/>
-                <a:ea typeface="华文新魏" panose="02010800040101010101" pitchFamily="2" charset="-122"/>
-              </a:rPr>
-              <a:t>剑超：</a:t>
+              <a:t>任剑超：</a:t>
             </a:r>
             <a:r>
               <a:rPr lang="en-US" altLang="zh-CN" sz="3600" dirty="0" err="1" smtClean="0">
@@ -32322,17 +32372,7 @@
                 <a:latin typeface="华文新魏" panose="02010800040101010101" pitchFamily="2" charset="-122"/>
                 <a:ea typeface="华文新魏" panose="02010800040101010101" pitchFamily="2" charset="-122"/>
               </a:rPr>
-              <a:t>史晨鑫</a:t>
-            </a:r>
-            <a:r>
-              <a:rPr lang="zh-CN" altLang="en-US" sz="3600" dirty="0" smtClean="0">
-                <a:solidFill>
-                  <a:schemeClr val="bg1"/>
-                </a:solidFill>
-                <a:latin typeface="华文新魏" panose="02010800040101010101" pitchFamily="2" charset="-122"/>
-                <a:ea typeface="华文新魏" panose="02010800040101010101" pitchFamily="2" charset="-122"/>
-              </a:rPr>
-              <a:t>：部署</a:t>
+              <a:t>史晨鑫：部署</a:t>
             </a:r>
             <a:endParaRPr lang="en-US" altLang="zh-CN" sz="3600" dirty="0" smtClean="0">
               <a:solidFill>
